--- a/database/slides/FOLLOW_ME.pptx
+++ b/database/slides/FOLLOW_ME.pptx
@@ -15907,17 +15907,6 @@
               <a:buNone/>
             </a:pPr>
             <a:r>
-              <a:rPr lang="en-GB" b="1">
-                <a:solidFill>
-                  <a:schemeClr val="bg1"/>
-                </a:solidFill>
-                <a:latin typeface="Calibri" panose="020F0502020204030204" pitchFamily="34" charset="0"/>
-                <a:ea typeface="Calibri" panose="020F0502020204030204" pitchFamily="34" charset="0"/>
-                <a:cs typeface="Calibri" panose="020F0502020204030204" pitchFamily="34" charset="0"/>
-              </a:rPr>
-              <a:t>The </a:t>
-            </a:r>
-            <a:r>
               <a:rPr lang="en-GB" b="1" dirty="0">
                 <a:solidFill>
                   <a:schemeClr val="bg1"/>
@@ -15926,7 +15915,7 @@
                 <a:ea typeface="Calibri" panose="020F0502020204030204" pitchFamily="34" charset="0"/>
                 <a:cs typeface="Calibri" panose="020F0502020204030204" pitchFamily="34" charset="0"/>
               </a:rPr>
-              <a:t>foxes have their holes,</a:t>
+              <a:t>The foxes have their holes,</a:t>
             </a:r>
           </a:p>
           <a:p>
@@ -16033,7 +16022,13 @@
       </p:sp>
       <p:sp>
         <p:nvSpPr>
-          <p:cNvPr id="131" name="Google Shape;131;p25"/>
+          <p:cNvPr id="2" name="Google Shape;131;p25">
+            <a:extLst>
+              <a:ext uri="{FF2B5EF4-FFF2-40B4-BE49-F238E27FC236}">
+                <a16:creationId xmlns:a16="http://schemas.microsoft.com/office/drawing/2014/main" id="{D4486E86-FDC1-7EB7-DE71-BD37000236C0}"/>
+              </a:ext>
+            </a:extLst>
+          </p:cNvPr>
           <p:cNvSpPr txBox="1"/>
           <p:nvPr/>
         </p:nvSpPr>
@@ -16056,11 +16051,19 @@
           </a:bodyPr>
           <a:lstStyle/>
           <a:p>
-            <a:pPr>
+            <a:pPr marL="0" lvl="0" indent="0" algn="l" rtl="0">
+              <a:spcBef>
+                <a:spcPts val="0"/>
+              </a:spcBef>
+              <a:spcAft>
+                <a:spcPts val="0"/>
+              </a:spcAft>
               <a:buClr>
                 <a:schemeClr val="lt1"/>
               </a:buClr>
               <a:buSzPts val="3200"/>
+              <a:buFont typeface="Arial"/>
+              <a:buNone/>
             </a:pPr>
             <a:r>
               <a:rPr lang="en-GB" sz="3600" b="1" i="1" dirty="0">
@@ -16074,7 +16077,7 @@
               </a:rPr>
               <a:t>contd..</a:t>
             </a:r>
-            <a:endParaRPr lang="en-GB" sz="3600" dirty="0">
+            <a:endParaRPr sz="3600" dirty="0">
               <a:latin typeface="Calibri"/>
               <a:ea typeface="Calibri"/>
               <a:cs typeface="Calibri"/>
@@ -16509,10 +16512,10 @@
       </p:sp>
       <p:sp>
         <p:nvSpPr>
-          <p:cNvPr id="131" name="Google Shape;131;p25">
+          <p:cNvPr id="2" name="Google Shape;131;p25">
             <a:extLst>
               <a:ext uri="{FF2B5EF4-FFF2-40B4-BE49-F238E27FC236}">
-                <a16:creationId xmlns:a16="http://schemas.microsoft.com/office/drawing/2014/main" id="{5FFFF9FE-1DA9-DCDC-6794-32AF9CA27337}"/>
+                <a16:creationId xmlns:a16="http://schemas.microsoft.com/office/drawing/2014/main" id="{0F0A5BD1-495D-772B-9F29-B10F79A32AE1}"/>
               </a:ext>
             </a:extLst>
           </p:cNvPr>
@@ -16538,11 +16541,19 @@
           </a:bodyPr>
           <a:lstStyle/>
           <a:p>
-            <a:pPr>
+            <a:pPr marL="0" lvl="0" indent="0" algn="l" rtl="0">
+              <a:spcBef>
+                <a:spcPts val="0"/>
+              </a:spcBef>
+              <a:spcAft>
+                <a:spcPts val="0"/>
+              </a:spcAft>
               <a:buClr>
                 <a:schemeClr val="lt1"/>
               </a:buClr>
               <a:buSzPts val="3200"/>
+              <a:buFont typeface="Arial"/>
+              <a:buNone/>
             </a:pPr>
             <a:r>
               <a:rPr lang="en-GB" sz="3600" b="1" i="1" dirty="0">
@@ -16556,7 +16567,7 @@
               </a:rPr>
               <a:t>contd..</a:t>
             </a:r>
-            <a:endParaRPr lang="en-GB" sz="3600" dirty="0">
+            <a:endParaRPr sz="3600" dirty="0">
               <a:latin typeface="Calibri"/>
               <a:ea typeface="Calibri"/>
               <a:cs typeface="Calibri"/>
@@ -16961,64 +16972,6 @@
               </a:rPr>
               <a:t>Still the Spirit of love will lead you home.</a:t>
             </a:r>
-          </a:p>
-        </p:txBody>
-      </p:sp>
-      <p:sp>
-        <p:nvSpPr>
-          <p:cNvPr id="131" name="Google Shape;131;p25">
-            <a:extLst>
-              <a:ext uri="{FF2B5EF4-FFF2-40B4-BE49-F238E27FC236}">
-                <a16:creationId xmlns:a16="http://schemas.microsoft.com/office/drawing/2014/main" id="{99CC2454-5988-0A9B-1D63-9EA1CF7999E5}"/>
-              </a:ext>
-            </a:extLst>
-          </p:cNvPr>
-          <p:cNvSpPr txBox="1"/>
-          <p:nvPr/>
-        </p:nvSpPr>
-        <p:spPr>
-          <a:xfrm>
-            <a:off x="7595050" y="6357300"/>
-            <a:ext cx="1548900" cy="500700"/>
-          </a:xfrm>
-          <a:prstGeom prst="rect">
-            <a:avLst/>
-          </a:prstGeom>
-          <a:noFill/>
-          <a:ln>
-            <a:noFill/>
-          </a:ln>
-        </p:spPr>
-        <p:txBody>
-          <a:bodyPr spcFirstLastPara="1" wrap="square" lIns="91425" tIns="91425" rIns="91425" bIns="91425" anchor="ctr" anchorCtr="0">
-            <a:noAutofit/>
-          </a:bodyPr>
-          <a:lstStyle/>
-          <a:p>
-            <a:pPr>
-              <a:buClr>
-                <a:schemeClr val="lt1"/>
-              </a:buClr>
-              <a:buSzPts val="3200"/>
-            </a:pPr>
-            <a:r>
-              <a:rPr lang="en-GB" sz="3600" b="1" i="1" dirty="0">
-                <a:solidFill>
-                  <a:srgbClr val="FFFF00"/>
-                </a:solidFill>
-                <a:latin typeface="Calibri"/>
-                <a:ea typeface="Calibri"/>
-                <a:cs typeface="Calibri"/>
-                <a:sym typeface="Calibri"/>
-              </a:rPr>
-              <a:t>contd..</a:t>
-            </a:r>
-            <a:endParaRPr lang="en-GB" sz="3600" dirty="0">
-              <a:latin typeface="Calibri"/>
-              <a:ea typeface="Calibri"/>
-              <a:cs typeface="Calibri"/>
-              <a:sym typeface="Calibri"/>
-            </a:endParaRPr>
           </a:p>
         </p:txBody>
       </p:sp>
